--- a/sandbox_slides/sandbox_1.pptx
+++ b/sandbox_slides/sandbox_1.pptx
@@ -4167,7 +4167,7 @@
                   <a:t> </a:t>
                 </a:r>
                 <a:r>
-                  <a:rPr sz="1800">
+                  <a:rPr>
                     <a:latin typeface="Courier"/>
                   </a:rPr>
                   <a:t>verbatim</a:t>
@@ -4208,6 +4208,9 @@
                       <m:t>h</m:t>
                     </m:r>
                     <m:r>
+                      <m:rPr>
+                        <m:sty m:val="p"/>
+                      </m:rPr>
                       <m:t>−</m:t>
                     </m:r>
                     <m:r>
@@ -4266,6 +4269,9 @@
                         <m:t>h</m:t>
                       </m:r>
                       <m:r>
+                        <m:rPr>
+                          <m:sty m:val="p"/>
+                        </m:rPr>
                         <m:t>−</m:t>
                       </m:r>
                       <m:r>
